--- a/COCO2024project_GiacomoMastroddi.pptx
+++ b/COCO2024project_GiacomoMastroddi.pptx
@@ -204,7 +204,7 @@
           <a:p>
             <a:fld id="{B23DDC2E-E20B-4F31-AB9F-3CEBECD89272}" type="datetimeFigureOut">
               <a:rPr lang="it-CH" smtClean="0"/>
-              <a:t>02.06.2024</a:t>
+              <a:t>03.06.2024</a:t>
             </a:fld>
             <a:endParaRPr lang="it-CH"/>
           </a:p>
@@ -789,7 +789,7 @@
           <a:p>
             <a:fld id="{E3F38241-24FC-4C1F-BA1C-98419CB7AEA7}" type="datetimeFigureOut">
               <a:rPr lang="it-CH" smtClean="0"/>
-              <a:t>02.06.2024</a:t>
+              <a:t>03.06.2024</a:t>
             </a:fld>
             <a:endParaRPr lang="it-CH"/>
           </a:p>
@@ -989,7 +989,7 @@
           <a:p>
             <a:fld id="{E3F38241-24FC-4C1F-BA1C-98419CB7AEA7}" type="datetimeFigureOut">
               <a:rPr lang="it-CH" smtClean="0"/>
-              <a:t>02.06.2024</a:t>
+              <a:t>03.06.2024</a:t>
             </a:fld>
             <a:endParaRPr lang="it-CH"/>
           </a:p>
@@ -1199,7 +1199,7 @@
           <a:p>
             <a:fld id="{E3F38241-24FC-4C1F-BA1C-98419CB7AEA7}" type="datetimeFigureOut">
               <a:rPr lang="it-CH" smtClean="0"/>
-              <a:t>02.06.2024</a:t>
+              <a:t>03.06.2024</a:t>
             </a:fld>
             <a:endParaRPr lang="it-CH"/>
           </a:p>
@@ -1399,7 +1399,7 @@
           <a:p>
             <a:fld id="{E3F38241-24FC-4C1F-BA1C-98419CB7AEA7}" type="datetimeFigureOut">
               <a:rPr lang="it-CH" smtClean="0"/>
-              <a:t>02.06.2024</a:t>
+              <a:t>03.06.2024</a:t>
             </a:fld>
             <a:endParaRPr lang="it-CH"/>
           </a:p>
@@ -1675,7 +1675,7 @@
           <a:p>
             <a:fld id="{E3F38241-24FC-4C1F-BA1C-98419CB7AEA7}" type="datetimeFigureOut">
               <a:rPr lang="it-CH" smtClean="0"/>
-              <a:t>02.06.2024</a:t>
+              <a:t>03.06.2024</a:t>
             </a:fld>
             <a:endParaRPr lang="it-CH"/>
           </a:p>
@@ -1943,7 +1943,7 @@
           <a:p>
             <a:fld id="{E3F38241-24FC-4C1F-BA1C-98419CB7AEA7}" type="datetimeFigureOut">
               <a:rPr lang="it-CH" smtClean="0"/>
-              <a:t>02.06.2024</a:t>
+              <a:t>03.06.2024</a:t>
             </a:fld>
             <a:endParaRPr lang="it-CH"/>
           </a:p>
@@ -2358,7 +2358,7 @@
           <a:p>
             <a:fld id="{E3F38241-24FC-4C1F-BA1C-98419CB7AEA7}" type="datetimeFigureOut">
               <a:rPr lang="it-CH" smtClean="0"/>
-              <a:t>02.06.2024</a:t>
+              <a:t>03.06.2024</a:t>
             </a:fld>
             <a:endParaRPr lang="it-CH"/>
           </a:p>
@@ -2500,7 +2500,7 @@
           <a:p>
             <a:fld id="{E3F38241-24FC-4C1F-BA1C-98419CB7AEA7}" type="datetimeFigureOut">
               <a:rPr lang="it-CH" smtClean="0"/>
-              <a:t>02.06.2024</a:t>
+              <a:t>03.06.2024</a:t>
             </a:fld>
             <a:endParaRPr lang="it-CH"/>
           </a:p>
@@ -2613,7 +2613,7 @@
           <a:p>
             <a:fld id="{E3F38241-24FC-4C1F-BA1C-98419CB7AEA7}" type="datetimeFigureOut">
               <a:rPr lang="it-CH" smtClean="0"/>
-              <a:t>02.06.2024</a:t>
+              <a:t>03.06.2024</a:t>
             </a:fld>
             <a:endParaRPr lang="it-CH"/>
           </a:p>
@@ -2926,7 +2926,7 @@
           <a:p>
             <a:fld id="{E3F38241-24FC-4C1F-BA1C-98419CB7AEA7}" type="datetimeFigureOut">
               <a:rPr lang="it-CH" smtClean="0"/>
-              <a:t>02.06.2024</a:t>
+              <a:t>03.06.2024</a:t>
             </a:fld>
             <a:endParaRPr lang="it-CH"/>
           </a:p>
@@ -3215,7 +3215,7 @@
           <a:p>
             <a:fld id="{E3F38241-24FC-4C1F-BA1C-98419CB7AEA7}" type="datetimeFigureOut">
               <a:rPr lang="it-CH" smtClean="0"/>
-              <a:t>02.06.2024</a:t>
+              <a:t>03.06.2024</a:t>
             </a:fld>
             <a:endParaRPr lang="it-CH"/>
           </a:p>
@@ -3458,7 +3458,7 @@
           <a:p>
             <a:fld id="{E3F38241-24FC-4C1F-BA1C-98419CB7AEA7}" type="datetimeFigureOut">
               <a:rPr lang="it-CH" smtClean="0"/>
-              <a:t>02.06.2024</a:t>
+              <a:t>03.06.2024</a:t>
             </a:fld>
             <a:endParaRPr lang="it-CH"/>
           </a:p>
@@ -7829,7 +7829,7 @@
         <p:spPr>
           <a:xfrm>
             <a:off x="5440168" y="2782668"/>
-            <a:ext cx="4236377" cy="646331"/>
+            <a:ext cx="4236377" cy="923330"/>
           </a:xfrm>
           <a:prstGeom prst="rect">
             <a:avLst/>
@@ -7846,6 +7846,15 @@
               <a:rPr lang="it-CH" b="1" dirty="0"/>
               <a:t>Giacomo Mastroddi</a:t>
             </a:r>
+          </a:p>
+          <a:p>
+            <a:r>
+              <a:rPr lang="it-CH" b="1" dirty="0">
+                <a:hlinkClick r:id="rId3"/>
+              </a:rPr>
+              <a:t>giacomma@ethz.ch</a:t>
+            </a:r>
+            <a:endParaRPr lang="it-CH" b="1" dirty="0"/>
           </a:p>
           <a:p>
             <a:r>
@@ -7871,13 +7880,13 @@
           <p:nvPr/>
         </p:nvPicPr>
         <p:blipFill>
-          <a:blip r:embed="rId3">
+          <a:blip r:embed="rId4">
             <a:extLst>
               <a:ext uri="{28A0092B-C50C-407E-A947-70E740481C1C}">
                 <a14:useLocalDpi xmlns:a14="http://schemas.microsoft.com/office/drawing/2010/main" val="0"/>
               </a:ext>
               <a:ext uri="{96DAC541-7B7A-43D3-8B79-37D633B846F1}">
-                <asvg:svgBlip xmlns:asvg="http://schemas.microsoft.com/office/drawing/2016/SVG/main" r:embed="rId4"/>
+                <asvg:svgBlip xmlns:asvg="http://schemas.microsoft.com/office/drawing/2016/SVG/main" r:embed="rId5"/>
               </a:ext>
             </a:extLst>
           </a:blip>

--- a/COCO2024project_GiacomoMastroddi.pptx
+++ b/COCO2024project_GiacomoMastroddi.pptx
@@ -204,7 +204,7 @@
           <a:p>
             <a:fld id="{B23DDC2E-E20B-4F31-AB9F-3CEBECD89272}" type="datetimeFigureOut">
               <a:rPr lang="it-CH" smtClean="0"/>
-              <a:t>03.06.2024</a:t>
+              <a:t>03.07.2024</a:t>
             </a:fld>
             <a:endParaRPr lang="it-CH"/>
           </a:p>
@@ -789,7 +789,7 @@
           <a:p>
             <a:fld id="{E3F38241-24FC-4C1F-BA1C-98419CB7AEA7}" type="datetimeFigureOut">
               <a:rPr lang="it-CH" smtClean="0"/>
-              <a:t>03.06.2024</a:t>
+              <a:t>03.07.2024</a:t>
             </a:fld>
             <a:endParaRPr lang="it-CH"/>
           </a:p>
@@ -989,7 +989,7 @@
           <a:p>
             <a:fld id="{E3F38241-24FC-4C1F-BA1C-98419CB7AEA7}" type="datetimeFigureOut">
               <a:rPr lang="it-CH" smtClean="0"/>
-              <a:t>03.06.2024</a:t>
+              <a:t>03.07.2024</a:t>
             </a:fld>
             <a:endParaRPr lang="it-CH"/>
           </a:p>
@@ -1199,7 +1199,7 @@
           <a:p>
             <a:fld id="{E3F38241-24FC-4C1F-BA1C-98419CB7AEA7}" type="datetimeFigureOut">
               <a:rPr lang="it-CH" smtClean="0"/>
-              <a:t>03.06.2024</a:t>
+              <a:t>03.07.2024</a:t>
             </a:fld>
             <a:endParaRPr lang="it-CH"/>
           </a:p>
@@ -1399,7 +1399,7 @@
           <a:p>
             <a:fld id="{E3F38241-24FC-4C1F-BA1C-98419CB7AEA7}" type="datetimeFigureOut">
               <a:rPr lang="it-CH" smtClean="0"/>
-              <a:t>03.06.2024</a:t>
+              <a:t>03.07.2024</a:t>
             </a:fld>
             <a:endParaRPr lang="it-CH"/>
           </a:p>
@@ -1675,7 +1675,7 @@
           <a:p>
             <a:fld id="{E3F38241-24FC-4C1F-BA1C-98419CB7AEA7}" type="datetimeFigureOut">
               <a:rPr lang="it-CH" smtClean="0"/>
-              <a:t>03.06.2024</a:t>
+              <a:t>03.07.2024</a:t>
             </a:fld>
             <a:endParaRPr lang="it-CH"/>
           </a:p>
@@ -1943,7 +1943,7 @@
           <a:p>
             <a:fld id="{E3F38241-24FC-4C1F-BA1C-98419CB7AEA7}" type="datetimeFigureOut">
               <a:rPr lang="it-CH" smtClean="0"/>
-              <a:t>03.06.2024</a:t>
+              <a:t>03.07.2024</a:t>
             </a:fld>
             <a:endParaRPr lang="it-CH"/>
           </a:p>
@@ -2358,7 +2358,7 @@
           <a:p>
             <a:fld id="{E3F38241-24FC-4C1F-BA1C-98419CB7AEA7}" type="datetimeFigureOut">
               <a:rPr lang="it-CH" smtClean="0"/>
-              <a:t>03.06.2024</a:t>
+              <a:t>03.07.2024</a:t>
             </a:fld>
             <a:endParaRPr lang="it-CH"/>
           </a:p>
@@ -2500,7 +2500,7 @@
           <a:p>
             <a:fld id="{E3F38241-24FC-4C1F-BA1C-98419CB7AEA7}" type="datetimeFigureOut">
               <a:rPr lang="it-CH" smtClean="0"/>
-              <a:t>03.06.2024</a:t>
+              <a:t>03.07.2024</a:t>
             </a:fld>
             <a:endParaRPr lang="it-CH"/>
           </a:p>
@@ -2613,7 +2613,7 @@
           <a:p>
             <a:fld id="{E3F38241-24FC-4C1F-BA1C-98419CB7AEA7}" type="datetimeFigureOut">
               <a:rPr lang="it-CH" smtClean="0"/>
-              <a:t>03.06.2024</a:t>
+              <a:t>03.07.2024</a:t>
             </a:fld>
             <a:endParaRPr lang="it-CH"/>
           </a:p>
@@ -2926,7 +2926,7 @@
           <a:p>
             <a:fld id="{E3F38241-24FC-4C1F-BA1C-98419CB7AEA7}" type="datetimeFigureOut">
               <a:rPr lang="it-CH" smtClean="0"/>
-              <a:t>03.06.2024</a:t>
+              <a:t>03.07.2024</a:t>
             </a:fld>
             <a:endParaRPr lang="it-CH"/>
           </a:p>
@@ -3215,7 +3215,7 @@
           <a:p>
             <a:fld id="{E3F38241-24FC-4C1F-BA1C-98419CB7AEA7}" type="datetimeFigureOut">
               <a:rPr lang="it-CH" smtClean="0"/>
-              <a:t>03.06.2024</a:t>
+              <a:t>03.07.2024</a:t>
             </a:fld>
             <a:endParaRPr lang="it-CH"/>
           </a:p>
@@ -3458,7 +3458,7 @@
           <a:p>
             <a:fld id="{E3F38241-24FC-4C1F-BA1C-98419CB7AEA7}" type="datetimeFigureOut">
               <a:rPr lang="it-CH" smtClean="0"/>
-              <a:t>03.06.2024</a:t>
+              <a:t>03.07.2024</a:t>
             </a:fld>
             <a:endParaRPr lang="it-CH"/>
           </a:p>
@@ -4658,7 +4658,7 @@
         <p:spPr>
           <a:xfrm>
             <a:off x="7558356" y="566678"/>
-            <a:ext cx="4236377" cy="5909310"/>
+            <a:ext cx="4236377" cy="6186309"/>
           </a:xfrm>
           <a:prstGeom prst="rect">
             <a:avLst/>
@@ -4696,52 +4696,62 @@
           </a:p>
           <a:p>
             <a:r>
-              <a:rPr lang="it-CH" b="1" dirty="0"/>
-              <a:t>Controller</a:t>
-            </a:r>
-            <a:endParaRPr lang="it-CH" dirty="0"/>
-          </a:p>
-          <a:p>
-            <a:r>
-              <a:rPr lang="en-US" dirty="0"/>
-              <a:t>A PID controller is used, which responds to the error signal between the measured current state and the reference state.</a:t>
-            </a:r>
-          </a:p>
-          <a:p>
-            <a:endParaRPr lang="it-CH" dirty="0"/>
-          </a:p>
-          <a:p>
-            <a:r>
               <a:rPr lang="it-CH" b="1" dirty="0" err="1"/>
               <a:t>Behaviour</a:t>
             </a:r>
             <a:endParaRPr lang="it-CH" dirty="0"/>
           </a:p>
           <a:p>
-            <a:pPr marL="285750" indent="-285750">
-              <a:buFont typeface="Arial" panose="020B0604020202020204" pitchFamily="34" charset="0"/>
-              <a:buChar char="•"/>
+            <a:pPr marL="342900" indent="-342900">
+              <a:buFont typeface="+mj-lt"/>
+              <a:buAutoNum type="arabicPeriod"/>
             </a:pPr>
+            <a:r>
+              <a:rPr lang="en-US" b="1" dirty="0"/>
+              <a:t>Tracking: </a:t>
+            </a:r>
+            <a:r>
+              <a:rPr lang="en-US" dirty="0"/>
+              <a:t>Ensures that the insulin and glucose level are maintained at the steady-state reference values.</a:t>
+            </a:r>
+          </a:p>
+          <a:p>
+            <a:pPr marL="342900" indent="-342900">
+              <a:buFont typeface="+mj-lt"/>
+              <a:buAutoNum type="arabicPeriod"/>
+            </a:pPr>
+            <a:r>
+              <a:rPr lang="en-US" b="1" dirty="0"/>
+              <a:t>Reactive action: </a:t>
+            </a:r>
             <a:r>
               <a:rPr lang="en-US" dirty="0"/>
               <a:t>Insulin injections are administered only after detecting a deviation from the reference glucose level.</a:t>
             </a:r>
           </a:p>
           <a:p>
-            <a:pPr marL="285750" indent="-285750">
-              <a:buFont typeface="Arial" panose="020B0604020202020204" pitchFamily="34" charset="0"/>
-              <a:buChar char="•"/>
+            <a:pPr marL="342900" indent="-342900">
+              <a:buFont typeface="+mj-lt"/>
+              <a:buAutoNum type="arabicPeriod"/>
             </a:pPr>
+            <a:r>
+              <a:rPr lang="en-US" b="1" dirty="0"/>
+              <a:t>Safety: </a:t>
+            </a:r>
             <a:r>
               <a:rPr lang="en-US" dirty="0"/>
               <a:t>With these small meal intakes, administering insulin after the glucose level rises keeps the patient’s glucose within the safe range.</a:t>
             </a:r>
           </a:p>
           <a:p>
-            <a:pPr marL="285750" indent="-285750">
-              <a:buFont typeface="Arial" panose="020B0604020202020204" pitchFamily="34" charset="0"/>
-              <a:buChar char="•"/>
+            <a:pPr marL="342900" indent="-342900">
+              <a:buFont typeface="+mj-lt"/>
+              <a:buAutoNum type="arabicPeriod"/>
             </a:pPr>
+            <a:r>
+              <a:rPr lang="en-US" b="1" dirty="0"/>
+              <a:t>No saturation: </a:t>
+            </a:r>
             <a:r>
               <a:rPr lang="en-US" dirty="0"/>
               <a:t>The response is moderate, preventing the insulin pump from reaching its upper limit of 0.04 U/min.</a:t>
@@ -5013,6 +5023,514 @@
           </a:p>
         </p:txBody>
       </p:sp>
+      <p:sp>
+        <p:nvSpPr>
+          <p:cNvPr id="3" name="TextBox 2">
+            <a:extLst>
+              <a:ext uri="{FF2B5EF4-FFF2-40B4-BE49-F238E27FC236}">
+                <a16:creationId xmlns:a16="http://schemas.microsoft.com/office/drawing/2014/main" id="{D04A5A69-BAB5-910E-69A8-2A0B784FF183}"/>
+              </a:ext>
+            </a:extLst>
+          </p:cNvPr>
+          <p:cNvSpPr txBox="1"/>
+          <p:nvPr/>
+        </p:nvSpPr>
+        <p:spPr>
+          <a:xfrm>
+            <a:off x="359662" y="4899957"/>
+            <a:ext cx="6589778" cy="1477328"/>
+          </a:xfrm>
+          <a:prstGeom prst="rect">
+            <a:avLst/>
+          </a:prstGeom>
+          <a:noFill/>
+        </p:spPr>
+        <p:txBody>
+          <a:bodyPr wrap="square" rtlCol="0" anchor="t">
+            <a:spAutoFit/>
+          </a:bodyPr>
+          <a:lstStyle/>
+          <a:p>
+            <a:r>
+              <a:rPr lang="it-CH" b="1" dirty="0" err="1"/>
+              <a:t>Conclusion</a:t>
+            </a:r>
+            <a:endParaRPr lang="it-CH" dirty="0"/>
+          </a:p>
+          <a:p>
+            <a:pPr marL="285750" indent="-285750">
+              <a:buFont typeface="Arial" panose="020B0604020202020204" pitchFamily="34" charset="0"/>
+              <a:buChar char="•"/>
+            </a:pPr>
+            <a:r>
+              <a:rPr lang="en-US" dirty="0"/>
+              <a:t>The PID controller shows zero steady-state error.</a:t>
+            </a:r>
+          </a:p>
+          <a:p>
+            <a:pPr marL="285750" indent="-285750">
+              <a:buFont typeface="Arial" panose="020B0604020202020204" pitchFamily="34" charset="0"/>
+              <a:buChar char="•"/>
+            </a:pPr>
+            <a:r>
+              <a:rPr lang="en-US" dirty="0"/>
+              <a:t>The reactive action guarantees a safe operation with these meal intakes, although not considering delay.</a:t>
+            </a:r>
+          </a:p>
+          <a:p>
+            <a:pPr marL="285750" indent="-285750">
+              <a:buFont typeface="Arial" panose="020B0604020202020204" pitchFamily="34" charset="0"/>
+              <a:buChar char="•"/>
+            </a:pPr>
+            <a:r>
+              <a:rPr lang="en-US" dirty="0"/>
+              <a:t>Tuning parameters are tailored to every specific patient.</a:t>
+            </a:r>
+            <a:endParaRPr lang="it-CH" dirty="0"/>
+          </a:p>
+        </p:txBody>
+      </p:sp>
+      <p:sp>
+        <p:nvSpPr>
+          <p:cNvPr id="4" name="TextBox 3">
+            <a:extLst>
+              <a:ext uri="{FF2B5EF4-FFF2-40B4-BE49-F238E27FC236}">
+                <a16:creationId xmlns:a16="http://schemas.microsoft.com/office/drawing/2014/main" id="{A92C2712-113E-1D70-251B-58A427E2EB71}"/>
+              </a:ext>
+            </a:extLst>
+          </p:cNvPr>
+          <p:cNvSpPr txBox="1"/>
+          <p:nvPr/>
+        </p:nvSpPr>
+        <p:spPr>
+          <a:xfrm>
+            <a:off x="397267" y="244736"/>
+            <a:ext cx="7161089" cy="400110"/>
+          </a:xfrm>
+          <a:prstGeom prst="rect">
+            <a:avLst/>
+          </a:prstGeom>
+          <a:solidFill>
+            <a:schemeClr val="bg1"/>
+          </a:solidFill>
+        </p:spPr>
+        <p:txBody>
+          <a:bodyPr wrap="square" rtlCol="0" anchor="t">
+            <a:spAutoFit/>
+          </a:bodyPr>
+          <a:lstStyle/>
+          <a:p>
+            <a:r>
+              <a:rPr lang="it-CH" sz="2000" b="1" dirty="0" err="1"/>
+              <a:t>Current</a:t>
+            </a:r>
+            <a:r>
+              <a:rPr lang="it-CH" sz="2000" b="1" dirty="0"/>
+              <a:t> State – PID</a:t>
+            </a:r>
+            <a:endParaRPr lang="it-CH" sz="2000" dirty="0"/>
+          </a:p>
+        </p:txBody>
+      </p:sp>
+      <p:sp>
+        <p:nvSpPr>
+          <p:cNvPr id="8" name="Oval 7">
+            <a:extLst>
+              <a:ext uri="{FF2B5EF4-FFF2-40B4-BE49-F238E27FC236}">
+                <a16:creationId xmlns:a16="http://schemas.microsoft.com/office/drawing/2014/main" id="{69C6E671-911F-FA6A-7F60-F20D8330D73D}"/>
+              </a:ext>
+            </a:extLst>
+          </p:cNvPr>
+          <p:cNvSpPr/>
+          <p:nvPr/>
+        </p:nvSpPr>
+        <p:spPr>
+          <a:xfrm>
+            <a:off x="947928" y="3852659"/>
+            <a:ext cx="1072896" cy="539999"/>
+          </a:xfrm>
+          <a:prstGeom prst="ellipse">
+            <a:avLst/>
+          </a:prstGeom>
+          <a:noFill/>
+          <a:ln w="38100">
+            <a:solidFill>
+              <a:schemeClr val="bg2">
+                <a:lumMod val="50000"/>
+              </a:schemeClr>
+            </a:solidFill>
+          </a:ln>
+        </p:spPr>
+        <p:style>
+          <a:lnRef idx="2">
+            <a:schemeClr val="accent1">
+              <a:shade val="15000"/>
+            </a:schemeClr>
+          </a:lnRef>
+          <a:fillRef idx="1">
+            <a:schemeClr val="accent1"/>
+          </a:fillRef>
+          <a:effectRef idx="0">
+            <a:schemeClr val="accent1"/>
+          </a:effectRef>
+          <a:fontRef idx="minor">
+            <a:schemeClr val="lt1"/>
+          </a:fontRef>
+        </p:style>
+        <p:txBody>
+          <a:bodyPr rtlCol="0" anchor="ctr"/>
+          <a:lstStyle/>
+          <a:p>
+            <a:pPr algn="ctr"/>
+            <a:r>
+              <a:rPr lang="it-CH" b="1" dirty="0">
+                <a:solidFill>
+                  <a:sysClr val="windowText" lastClr="000000"/>
+                </a:solidFill>
+              </a:rPr>
+              <a:t>1.</a:t>
+            </a:r>
+          </a:p>
+        </p:txBody>
+      </p:sp>
+      <p:sp>
+        <p:nvSpPr>
+          <p:cNvPr id="10" name="Oval 9">
+            <a:extLst>
+              <a:ext uri="{FF2B5EF4-FFF2-40B4-BE49-F238E27FC236}">
+                <a16:creationId xmlns:a16="http://schemas.microsoft.com/office/drawing/2014/main" id="{BEE47A88-3859-C512-9BC9-163AC57C60BA}"/>
+              </a:ext>
+            </a:extLst>
+          </p:cNvPr>
+          <p:cNvSpPr/>
+          <p:nvPr/>
+        </p:nvSpPr>
+        <p:spPr>
+          <a:xfrm>
+            <a:off x="947928" y="1708753"/>
+            <a:ext cx="1072896" cy="539999"/>
+          </a:xfrm>
+          <a:prstGeom prst="ellipse">
+            <a:avLst/>
+          </a:prstGeom>
+          <a:noFill/>
+          <a:ln w="38100">
+            <a:solidFill>
+              <a:schemeClr val="bg2">
+                <a:lumMod val="50000"/>
+              </a:schemeClr>
+            </a:solidFill>
+          </a:ln>
+        </p:spPr>
+        <p:style>
+          <a:lnRef idx="2">
+            <a:schemeClr val="accent1">
+              <a:shade val="15000"/>
+            </a:schemeClr>
+          </a:lnRef>
+          <a:fillRef idx="1">
+            <a:schemeClr val="accent1"/>
+          </a:fillRef>
+          <a:effectRef idx="0">
+            <a:schemeClr val="accent1"/>
+          </a:effectRef>
+          <a:fontRef idx="minor">
+            <a:schemeClr val="lt1"/>
+          </a:fontRef>
+        </p:style>
+        <p:txBody>
+          <a:bodyPr rtlCol="0" anchor="ctr"/>
+          <a:lstStyle/>
+          <a:p>
+            <a:pPr algn="ctr"/>
+            <a:r>
+              <a:rPr lang="it-CH" b="1" dirty="0">
+                <a:solidFill>
+                  <a:sysClr val="windowText" lastClr="000000"/>
+                </a:solidFill>
+              </a:rPr>
+              <a:t>1.</a:t>
+            </a:r>
+          </a:p>
+        </p:txBody>
+      </p:sp>
+      <p:sp>
+        <p:nvSpPr>
+          <p:cNvPr id="12" name="Oval 11">
+            <a:extLst>
+              <a:ext uri="{FF2B5EF4-FFF2-40B4-BE49-F238E27FC236}">
+                <a16:creationId xmlns:a16="http://schemas.microsoft.com/office/drawing/2014/main" id="{EE40F3A5-8D48-3798-4DF5-B3AB4636B3D8}"/>
+              </a:ext>
+            </a:extLst>
+          </p:cNvPr>
+          <p:cNvSpPr/>
+          <p:nvPr/>
+        </p:nvSpPr>
+        <p:spPr>
+          <a:xfrm>
+            <a:off x="2730516" y="3606365"/>
+            <a:ext cx="540000" cy="842796"/>
+          </a:xfrm>
+          <a:prstGeom prst="ellipse">
+            <a:avLst/>
+          </a:prstGeom>
+          <a:noFill/>
+          <a:ln w="38100">
+            <a:solidFill>
+              <a:schemeClr val="bg2">
+                <a:lumMod val="50000"/>
+              </a:schemeClr>
+            </a:solidFill>
+          </a:ln>
+        </p:spPr>
+        <p:style>
+          <a:lnRef idx="2">
+            <a:schemeClr val="accent1">
+              <a:shade val="15000"/>
+            </a:schemeClr>
+          </a:lnRef>
+          <a:fillRef idx="1">
+            <a:schemeClr val="accent1"/>
+          </a:fillRef>
+          <a:effectRef idx="0">
+            <a:schemeClr val="accent1"/>
+          </a:effectRef>
+          <a:fontRef idx="minor">
+            <a:schemeClr val="lt1"/>
+          </a:fontRef>
+        </p:style>
+        <p:txBody>
+          <a:bodyPr rtlCol="0" anchor="ctr"/>
+          <a:lstStyle/>
+          <a:p>
+            <a:pPr algn="ctr"/>
+            <a:r>
+              <a:rPr lang="it-CH" b="1" dirty="0">
+                <a:solidFill>
+                  <a:sysClr val="windowText" lastClr="000000"/>
+                </a:solidFill>
+              </a:rPr>
+              <a:t>2.</a:t>
+            </a:r>
+          </a:p>
+        </p:txBody>
+      </p:sp>
+      <p:sp>
+        <p:nvSpPr>
+          <p:cNvPr id="15" name="Right Brace 14">
+            <a:extLst>
+              <a:ext uri="{FF2B5EF4-FFF2-40B4-BE49-F238E27FC236}">
+                <a16:creationId xmlns:a16="http://schemas.microsoft.com/office/drawing/2014/main" id="{AE413096-2411-210F-8EE8-84E96FF41E6F}"/>
+              </a:ext>
+            </a:extLst>
+          </p:cNvPr>
+          <p:cNvSpPr/>
+          <p:nvPr/>
+        </p:nvSpPr>
+        <p:spPr>
+          <a:xfrm>
+            <a:off x="6190488" y="1024128"/>
+            <a:ext cx="196216" cy="1956816"/>
+          </a:xfrm>
+          <a:prstGeom prst="rightBrace">
+            <a:avLst/>
+          </a:prstGeom>
+          <a:ln w="38100">
+            <a:solidFill>
+              <a:schemeClr val="bg2">
+                <a:lumMod val="50000"/>
+              </a:schemeClr>
+            </a:solidFill>
+          </a:ln>
+        </p:spPr>
+        <p:style>
+          <a:lnRef idx="2">
+            <a:schemeClr val="accent1"/>
+          </a:lnRef>
+          <a:fillRef idx="0">
+            <a:schemeClr val="accent1"/>
+          </a:fillRef>
+          <a:effectRef idx="1">
+            <a:schemeClr val="accent1"/>
+          </a:effectRef>
+          <a:fontRef idx="minor">
+            <a:schemeClr val="tx1"/>
+          </a:fontRef>
+        </p:style>
+        <p:txBody>
+          <a:bodyPr rtlCol="0" anchor="ctr"/>
+          <a:lstStyle/>
+          <a:p>
+            <a:pPr algn="ctr"/>
+            <a:endParaRPr lang="it-CH" dirty="0"/>
+          </a:p>
+        </p:txBody>
+      </p:sp>
+      <p:sp>
+        <p:nvSpPr>
+          <p:cNvPr id="16" name="Oval 15">
+            <a:extLst>
+              <a:ext uri="{FF2B5EF4-FFF2-40B4-BE49-F238E27FC236}">
+                <a16:creationId xmlns:a16="http://schemas.microsoft.com/office/drawing/2014/main" id="{1DE9A874-A225-7625-45E3-E088FDEEFF93}"/>
+              </a:ext>
+            </a:extLst>
+          </p:cNvPr>
+          <p:cNvSpPr/>
+          <p:nvPr/>
+        </p:nvSpPr>
+        <p:spPr>
+          <a:xfrm>
+            <a:off x="6216348" y="1732536"/>
+            <a:ext cx="612989" cy="539999"/>
+          </a:xfrm>
+          <a:prstGeom prst="ellipse">
+            <a:avLst/>
+          </a:prstGeom>
+          <a:noFill/>
+          <a:ln w="38100">
+            <a:noFill/>
+          </a:ln>
+        </p:spPr>
+        <p:style>
+          <a:lnRef idx="2">
+            <a:schemeClr val="accent1">
+              <a:shade val="15000"/>
+            </a:schemeClr>
+          </a:lnRef>
+          <a:fillRef idx="1">
+            <a:schemeClr val="accent1"/>
+          </a:fillRef>
+          <a:effectRef idx="0">
+            <a:schemeClr val="accent1"/>
+          </a:effectRef>
+          <a:fontRef idx="minor">
+            <a:schemeClr val="lt1"/>
+          </a:fontRef>
+        </p:style>
+        <p:txBody>
+          <a:bodyPr rtlCol="0" anchor="ctr"/>
+          <a:lstStyle/>
+          <a:p>
+            <a:pPr algn="ctr"/>
+            <a:r>
+              <a:rPr lang="it-CH" b="1" dirty="0">
+                <a:solidFill>
+                  <a:sysClr val="windowText" lastClr="000000"/>
+                </a:solidFill>
+              </a:rPr>
+              <a:t>3.</a:t>
+            </a:r>
+          </a:p>
+        </p:txBody>
+      </p:sp>
+      <p:sp>
+        <p:nvSpPr>
+          <p:cNvPr id="20" name="Right Brace 19">
+            <a:extLst>
+              <a:ext uri="{FF2B5EF4-FFF2-40B4-BE49-F238E27FC236}">
+                <a16:creationId xmlns:a16="http://schemas.microsoft.com/office/drawing/2014/main" id="{B3741712-047C-4DA3-A566-7F8991B02BED}"/>
+              </a:ext>
+            </a:extLst>
+          </p:cNvPr>
+          <p:cNvSpPr/>
+          <p:nvPr/>
+        </p:nvSpPr>
+        <p:spPr>
+          <a:xfrm>
+            <a:off x="4891611" y="3565656"/>
+            <a:ext cx="189692" cy="540000"/>
+          </a:xfrm>
+          <a:prstGeom prst="rightBrace">
+            <a:avLst/>
+          </a:prstGeom>
+          <a:ln w="38100">
+            <a:solidFill>
+              <a:schemeClr val="bg2">
+                <a:lumMod val="50000"/>
+              </a:schemeClr>
+            </a:solidFill>
+          </a:ln>
+        </p:spPr>
+        <p:style>
+          <a:lnRef idx="2">
+            <a:schemeClr val="accent1"/>
+          </a:lnRef>
+          <a:fillRef idx="0">
+            <a:schemeClr val="accent1"/>
+          </a:fillRef>
+          <a:effectRef idx="1">
+            <a:schemeClr val="accent1"/>
+          </a:effectRef>
+          <a:fontRef idx="minor">
+            <a:schemeClr val="tx1"/>
+          </a:fontRef>
+        </p:style>
+        <p:txBody>
+          <a:bodyPr rtlCol="0" anchor="ctr"/>
+          <a:lstStyle/>
+          <a:p>
+            <a:pPr algn="ctr"/>
+            <a:endParaRPr lang="it-CH" dirty="0"/>
+          </a:p>
+        </p:txBody>
+      </p:sp>
+      <p:sp>
+        <p:nvSpPr>
+          <p:cNvPr id="21" name="Oval 20">
+            <a:extLst>
+              <a:ext uri="{FF2B5EF4-FFF2-40B4-BE49-F238E27FC236}">
+                <a16:creationId xmlns:a16="http://schemas.microsoft.com/office/drawing/2014/main" id="{4F98F8A1-513D-B158-9EA5-BAA7350B12BC}"/>
+              </a:ext>
+            </a:extLst>
+          </p:cNvPr>
+          <p:cNvSpPr/>
+          <p:nvPr/>
+        </p:nvSpPr>
+        <p:spPr>
+          <a:xfrm>
+            <a:off x="4908668" y="3574800"/>
+            <a:ext cx="612989" cy="539999"/>
+          </a:xfrm>
+          <a:prstGeom prst="ellipse">
+            <a:avLst/>
+          </a:prstGeom>
+          <a:noFill/>
+          <a:ln w="38100">
+            <a:noFill/>
+          </a:ln>
+        </p:spPr>
+        <p:style>
+          <a:lnRef idx="2">
+            <a:schemeClr val="accent1">
+              <a:shade val="15000"/>
+            </a:schemeClr>
+          </a:lnRef>
+          <a:fillRef idx="1">
+            <a:schemeClr val="accent1"/>
+          </a:fillRef>
+          <a:effectRef idx="0">
+            <a:schemeClr val="accent1"/>
+          </a:effectRef>
+          <a:fontRef idx="minor">
+            <a:schemeClr val="lt1"/>
+          </a:fontRef>
+        </p:style>
+        <p:txBody>
+          <a:bodyPr rtlCol="0" anchor="ctr"/>
+          <a:lstStyle/>
+          <a:p>
+            <a:pPr algn="ctr"/>
+            <a:r>
+              <a:rPr lang="it-CH" b="1" dirty="0">
+                <a:solidFill>
+                  <a:sysClr val="windowText" lastClr="000000"/>
+                </a:solidFill>
+              </a:rPr>
+              <a:t>4.</a:t>
+            </a:r>
+          </a:p>
+        </p:txBody>
+      </p:sp>
     </p:spTree>
     <p:extLst>
       <p:ext uri="{BB962C8B-B14F-4D97-AF65-F5344CB8AC3E}">
@@ -5447,12 +5965,111 @@
           </a:p>
         </p:txBody>
       </p:sp>
-      <p:sp>
-        <p:nvSpPr>
-          <p:cNvPr id="10" name="Oval 9">
-            <a:extLst>
-              <a:ext uri="{FF2B5EF4-FFF2-40B4-BE49-F238E27FC236}">
-                <a16:creationId xmlns:a16="http://schemas.microsoft.com/office/drawing/2014/main" id="{E79B09DE-4AF0-BB05-1DBB-F6D8C0F69DD8}"/>
+      <p:pic>
+        <p:nvPicPr>
+          <p:cNvPr id="13" name="Picture 12">
+            <a:extLst>
+              <a:ext uri="{FF2B5EF4-FFF2-40B4-BE49-F238E27FC236}">
+                <a16:creationId xmlns:a16="http://schemas.microsoft.com/office/drawing/2014/main" id="{E3BDBE3F-1C4C-8F11-4BA5-337F88A49C05}"/>
+              </a:ext>
+            </a:extLst>
+          </p:cNvPr>
+          <p:cNvPicPr>
+            <a:picLocks noChangeAspect="1"/>
+          </p:cNvPicPr>
+          <p:nvPr/>
+        </p:nvPicPr>
+        <p:blipFill>
+          <a:blip r:embed="rId7"/>
+          <a:stretch>
+            <a:fillRect/>
+          </a:stretch>
+        </p:blipFill>
+        <p:spPr>
+          <a:xfrm>
+            <a:off x="6437413" y="5085304"/>
+            <a:ext cx="671710" cy="671710"/>
+          </a:xfrm>
+          <a:prstGeom prst="rect">
+            <a:avLst/>
+          </a:prstGeom>
+        </p:spPr>
+      </p:pic>
+      <p:sp>
+        <p:nvSpPr>
+          <p:cNvPr id="2" name="TextBox 1">
+            <a:extLst>
+              <a:ext uri="{FF2B5EF4-FFF2-40B4-BE49-F238E27FC236}">
+                <a16:creationId xmlns:a16="http://schemas.microsoft.com/office/drawing/2014/main" id="{73AED3EB-687D-2046-4FD8-5FE74798476F}"/>
+              </a:ext>
+            </a:extLst>
+          </p:cNvPr>
+          <p:cNvSpPr txBox="1"/>
+          <p:nvPr/>
+        </p:nvSpPr>
+        <p:spPr>
+          <a:xfrm>
+            <a:off x="359662" y="4899957"/>
+            <a:ext cx="5328563" cy="1477328"/>
+          </a:xfrm>
+          <a:prstGeom prst="rect">
+            <a:avLst/>
+          </a:prstGeom>
+          <a:noFill/>
+        </p:spPr>
+        <p:txBody>
+          <a:bodyPr wrap="square" rtlCol="0" anchor="t">
+            <a:spAutoFit/>
+          </a:bodyPr>
+          <a:lstStyle/>
+          <a:p>
+            <a:r>
+              <a:rPr lang="it-CH" b="1" dirty="0" err="1"/>
+              <a:t>Conclusion</a:t>
+            </a:r>
+            <a:endParaRPr lang="it-CH" dirty="0"/>
+          </a:p>
+          <a:p>
+            <a:pPr marL="285750" indent="-285750">
+              <a:buFont typeface="Arial" panose="020B0604020202020204" pitchFamily="34" charset="0"/>
+              <a:buChar char="•"/>
+            </a:pPr>
+            <a:r>
+              <a:rPr lang="en-US" dirty="0"/>
+              <a:t>Prolonged violation of glucose limits can lead to hospitalization or even death of the patient.</a:t>
+            </a:r>
+          </a:p>
+          <a:p>
+            <a:pPr marL="285750" indent="-285750">
+              <a:buFont typeface="Arial" panose="020B0604020202020204" pitchFamily="34" charset="0"/>
+              <a:buChar char="•"/>
+            </a:pPr>
+            <a:r>
+              <a:rPr lang="it-CH" dirty="0"/>
+              <a:t>A controller with </a:t>
+            </a:r>
+            <a:r>
+              <a:rPr lang="it-CH" dirty="0" err="1"/>
+              <a:t>predictive</a:t>
+            </a:r>
+            <a:r>
+              <a:rPr lang="it-CH" dirty="0"/>
+              <a:t> capabilities and </a:t>
+            </a:r>
+            <a:r>
+              <a:rPr lang="en-US" dirty="0"/>
+              <a:t>the ability to satisfy constraints is essential.</a:t>
+            </a:r>
+            <a:endParaRPr lang="it-CH" dirty="0"/>
+          </a:p>
+        </p:txBody>
+      </p:sp>
+      <p:sp>
+        <p:nvSpPr>
+          <p:cNvPr id="14" name="Oval 13">
+            <a:extLst>
+              <a:ext uri="{FF2B5EF4-FFF2-40B4-BE49-F238E27FC236}">
+                <a16:creationId xmlns:a16="http://schemas.microsoft.com/office/drawing/2014/main" id="{8B6ADCC1-E2C0-2664-FE84-591ABF9E01DE}"/>
               </a:ext>
             </a:extLst>
           </p:cNvPr>
@@ -5461,8 +6078,8 @@
         </p:nvSpPr>
         <p:spPr>
           <a:xfrm>
-            <a:off x="1910778" y="586757"/>
-            <a:ext cx="1113165" cy="621218"/>
+            <a:off x="1730599" y="4100080"/>
+            <a:ext cx="641813" cy="705307"/>
           </a:xfrm>
           <a:prstGeom prst="ellipse">
             <a:avLst/>
@@ -5503,62 +6120,34 @@
                   <a:sysClr val="windowText" lastClr="000000"/>
                 </a:solidFill>
               </a:rPr>
-              <a:t>2. 3.</a:t>
-            </a:r>
-          </a:p>
-        </p:txBody>
-      </p:sp>
-      <p:pic>
-        <p:nvPicPr>
-          <p:cNvPr id="13" name="Picture 12">
-            <a:extLst>
-              <a:ext uri="{FF2B5EF4-FFF2-40B4-BE49-F238E27FC236}">
-                <a16:creationId xmlns:a16="http://schemas.microsoft.com/office/drawing/2014/main" id="{E3BDBE3F-1C4C-8F11-4BA5-337F88A49C05}"/>
-              </a:ext>
-            </a:extLst>
-          </p:cNvPr>
-          <p:cNvPicPr>
-            <a:picLocks noChangeAspect="1"/>
-          </p:cNvPicPr>
+              <a:t>1.</a:t>
+            </a:r>
+          </a:p>
+        </p:txBody>
+      </p:sp>
+      <p:sp>
+        <p:nvSpPr>
+          <p:cNvPr id="12" name="TextBox 11">
+            <a:extLst>
+              <a:ext uri="{FF2B5EF4-FFF2-40B4-BE49-F238E27FC236}">
+                <a16:creationId xmlns:a16="http://schemas.microsoft.com/office/drawing/2014/main" id="{5645D192-1116-5207-1588-C6DABDE5D064}"/>
+              </a:ext>
+            </a:extLst>
+          </p:cNvPr>
+          <p:cNvSpPr txBox="1"/>
           <p:nvPr/>
-        </p:nvPicPr>
-        <p:blipFill>
-          <a:blip r:embed="rId7"/>
-          <a:stretch>
-            <a:fillRect/>
-          </a:stretch>
-        </p:blipFill>
-        <p:spPr>
-          <a:xfrm>
-            <a:off x="6437413" y="5085304"/>
-            <a:ext cx="671710" cy="671710"/>
+        </p:nvSpPr>
+        <p:spPr>
+          <a:xfrm>
+            <a:off x="397267" y="244736"/>
+            <a:ext cx="7161089" cy="400110"/>
           </a:xfrm>
           <a:prstGeom prst="rect">
             <a:avLst/>
           </a:prstGeom>
-        </p:spPr>
-      </p:pic>
-      <p:sp>
-        <p:nvSpPr>
-          <p:cNvPr id="2" name="TextBox 1">
-            <a:extLst>
-              <a:ext uri="{FF2B5EF4-FFF2-40B4-BE49-F238E27FC236}">
-                <a16:creationId xmlns:a16="http://schemas.microsoft.com/office/drawing/2014/main" id="{73AED3EB-687D-2046-4FD8-5FE74798476F}"/>
-              </a:ext>
-            </a:extLst>
-          </p:cNvPr>
-          <p:cNvSpPr txBox="1"/>
-          <p:nvPr/>
-        </p:nvSpPr>
-        <p:spPr>
-          <a:xfrm>
-            <a:off x="359662" y="4899957"/>
-            <a:ext cx="5328563" cy="1477328"/>
-          </a:xfrm>
-          <a:prstGeom prst="rect">
-            <a:avLst/>
-          </a:prstGeom>
-          <a:noFill/>
+          <a:solidFill>
+            <a:schemeClr val="bg1"/>
+          </a:solidFill>
         </p:spPr>
         <p:txBody>
           <a:bodyPr wrap="square" rtlCol="0" anchor="t">
@@ -5567,52 +6156,27 @@
           <a:lstStyle/>
           <a:p>
             <a:r>
-              <a:rPr lang="it-CH" b="1" dirty="0" err="1"/>
-              <a:t>Conclusion</a:t>
-            </a:r>
-            <a:endParaRPr lang="it-CH" dirty="0"/>
-          </a:p>
-          <a:p>
-            <a:pPr marL="285750" indent="-285750">
-              <a:buFont typeface="Arial" panose="020B0604020202020204" pitchFamily="34" charset="0"/>
-              <a:buChar char="•"/>
-            </a:pPr>
-            <a:r>
-              <a:rPr lang="en-US" dirty="0"/>
-              <a:t>Prolonged violation of glucose limits can lead to hospitalization or even death of the patient.</a:t>
-            </a:r>
-          </a:p>
-          <a:p>
-            <a:pPr marL="285750" indent="-285750">
-              <a:buFont typeface="Arial" panose="020B0604020202020204" pitchFamily="34" charset="0"/>
-              <a:buChar char="•"/>
-            </a:pPr>
-            <a:r>
-              <a:rPr lang="it-CH" dirty="0"/>
-              <a:t>A controller with </a:t>
-            </a:r>
-            <a:r>
-              <a:rPr lang="it-CH" dirty="0" err="1"/>
-              <a:t>predictive</a:t>
-            </a:r>
-            <a:r>
-              <a:rPr lang="it-CH" dirty="0"/>
-              <a:t> capabilities and </a:t>
-            </a:r>
-            <a:r>
-              <a:rPr lang="en-US" dirty="0"/>
-              <a:t>the ability to satisfy constraints is essential.</a:t>
-            </a:r>
-            <a:endParaRPr lang="it-CH" dirty="0"/>
-          </a:p>
-        </p:txBody>
-      </p:sp>
-      <p:sp>
-        <p:nvSpPr>
-          <p:cNvPr id="14" name="Oval 13">
-            <a:extLst>
-              <a:ext uri="{FF2B5EF4-FFF2-40B4-BE49-F238E27FC236}">
-                <a16:creationId xmlns:a16="http://schemas.microsoft.com/office/drawing/2014/main" id="{8B6ADCC1-E2C0-2664-FE84-591ABF9E01DE}"/>
+              <a:rPr lang="it-CH" sz="2000" b="1" dirty="0" err="1"/>
+              <a:t>Failure</a:t>
+            </a:r>
+            <a:r>
+              <a:rPr lang="it-CH" sz="2000" b="1" dirty="0"/>
+              <a:t> Mode </a:t>
+            </a:r>
+            <a:r>
+              <a:rPr lang="it-CH" sz="2000" b="1"/>
+              <a:t>– PID</a:t>
+            </a:r>
+            <a:endParaRPr lang="it-CH" sz="2000" dirty="0"/>
+          </a:p>
+        </p:txBody>
+      </p:sp>
+      <p:sp>
+        <p:nvSpPr>
+          <p:cNvPr id="10" name="Oval 9">
+            <a:extLst>
+              <a:ext uri="{FF2B5EF4-FFF2-40B4-BE49-F238E27FC236}">
+                <a16:creationId xmlns:a16="http://schemas.microsoft.com/office/drawing/2014/main" id="{E79B09DE-4AF0-BB05-1DBB-F6D8C0F69DD8}"/>
               </a:ext>
             </a:extLst>
           </p:cNvPr>
@@ -5621,8 +6185,8 @@
         </p:nvSpPr>
         <p:spPr>
           <a:xfrm>
-            <a:off x="1730599" y="4100080"/>
-            <a:ext cx="641813" cy="705307"/>
+            <a:off x="1910778" y="667973"/>
+            <a:ext cx="1113165" cy="540001"/>
           </a:xfrm>
           <a:prstGeom prst="ellipse">
             <a:avLst/>
@@ -5663,7 +6227,7 @@
                   <a:sysClr val="windowText" lastClr="000000"/>
                 </a:solidFill>
               </a:rPr>
-              <a:t>1.</a:t>
+              <a:t>2. 3.</a:t>
             </a:r>
           </a:p>
         </p:txBody>
@@ -6303,6 +6867,44 @@
           </a:p>
         </p:txBody>
       </p:sp>
+      <p:sp>
+        <p:nvSpPr>
+          <p:cNvPr id="3" name="TextBox 2">
+            <a:extLst>
+              <a:ext uri="{FF2B5EF4-FFF2-40B4-BE49-F238E27FC236}">
+                <a16:creationId xmlns:a16="http://schemas.microsoft.com/office/drawing/2014/main" id="{8A69194B-346A-FEF7-A45E-C9E9441653E9}"/>
+              </a:ext>
+            </a:extLst>
+          </p:cNvPr>
+          <p:cNvSpPr txBox="1"/>
+          <p:nvPr/>
+        </p:nvSpPr>
+        <p:spPr>
+          <a:xfrm>
+            <a:off x="397267" y="244736"/>
+            <a:ext cx="7161089" cy="400110"/>
+          </a:xfrm>
+          <a:prstGeom prst="rect">
+            <a:avLst/>
+          </a:prstGeom>
+          <a:solidFill>
+            <a:schemeClr val="bg1"/>
+          </a:solidFill>
+        </p:spPr>
+        <p:txBody>
+          <a:bodyPr wrap="square" rtlCol="0" anchor="t">
+            <a:spAutoFit/>
+          </a:bodyPr>
+          <a:lstStyle/>
+          <a:p>
+            <a:r>
+              <a:rPr lang="it-CH" sz="2000" b="1" dirty="0"/>
+              <a:t>Tracking MPC</a:t>
+            </a:r>
+            <a:endParaRPr lang="it-CH" sz="2000" dirty="0"/>
+          </a:p>
+        </p:txBody>
+      </p:sp>
     </p:spTree>
     <p:extLst>
       <p:ext uri="{BB962C8B-B14F-4D97-AF65-F5344CB8AC3E}">
@@ -6783,6 +7385,52 @@
           </a:p>
         </p:txBody>
       </p:sp>
+      <p:sp>
+        <p:nvSpPr>
+          <p:cNvPr id="4" name="TextBox 3">
+            <a:extLst>
+              <a:ext uri="{FF2B5EF4-FFF2-40B4-BE49-F238E27FC236}">
+                <a16:creationId xmlns:a16="http://schemas.microsoft.com/office/drawing/2014/main" id="{547D22D8-085F-22F1-123D-720B4FC6D76E}"/>
+              </a:ext>
+            </a:extLst>
+          </p:cNvPr>
+          <p:cNvSpPr txBox="1"/>
+          <p:nvPr/>
+        </p:nvSpPr>
+        <p:spPr>
+          <a:xfrm>
+            <a:off x="397267" y="244736"/>
+            <a:ext cx="7161089" cy="400110"/>
+          </a:xfrm>
+          <a:prstGeom prst="rect">
+            <a:avLst/>
+          </a:prstGeom>
+          <a:solidFill>
+            <a:schemeClr val="bg1"/>
+          </a:solidFill>
+        </p:spPr>
+        <p:txBody>
+          <a:bodyPr wrap="square" rtlCol="0" anchor="t">
+            <a:spAutoFit/>
+          </a:bodyPr>
+          <a:lstStyle/>
+          <a:p>
+            <a:r>
+              <a:rPr lang="it-CH" sz="2000" b="1" dirty="0" err="1"/>
+              <a:t>Regularized</a:t>
+            </a:r>
+            <a:r>
+              <a:rPr lang="it-CH" sz="2000" b="1" dirty="0"/>
+              <a:t> Tracking </a:t>
+            </a:r>
+            <a:r>
+              <a:rPr lang="it-CH" sz="2000" b="1" dirty="0" err="1"/>
+              <a:t>DeePC</a:t>
+            </a:r>
+            <a:endParaRPr lang="it-CH" sz="2000" dirty="0"/>
+          </a:p>
+        </p:txBody>
+      </p:sp>
     </p:spTree>
     <p:extLst>
       <p:ext uri="{BB962C8B-B14F-4D97-AF65-F5344CB8AC3E}">
@@ -6827,7 +7475,7 @@
         </p:nvSpPr>
         <p:spPr>
           <a:xfrm>
-            <a:off x="1095756" y="5885355"/>
+            <a:off x="1095756" y="6059091"/>
             <a:ext cx="4610100" cy="369332"/>
           </a:xfrm>
           <a:prstGeom prst="rect">
@@ -6899,7 +7547,7 @@
         </p:nvSpPr>
         <p:spPr>
           <a:xfrm>
-            <a:off x="366605" y="384346"/>
+            <a:off x="366605" y="737243"/>
             <a:ext cx="5339251" cy="4247317"/>
           </a:xfrm>
           <a:prstGeom prst="rect">
@@ -7041,7 +7689,7 @@
         </p:blipFill>
         <p:spPr>
           <a:xfrm>
-            <a:off x="392938" y="5711219"/>
+            <a:off x="392938" y="5884955"/>
             <a:ext cx="729150" cy="729150"/>
           </a:xfrm>
           <a:prstGeom prst="rect">
@@ -7071,7 +7719,7 @@
         </p:blipFill>
         <p:spPr>
           <a:xfrm>
-            <a:off x="5248741" y="1100844"/>
+            <a:off x="5248741" y="1412625"/>
             <a:ext cx="729150" cy="729150"/>
           </a:xfrm>
           <a:prstGeom prst="rect">
@@ -7109,7 +7757,7 @@
         </p:blipFill>
         <p:spPr>
           <a:xfrm>
-            <a:off x="366607" y="4902264"/>
+            <a:off x="366607" y="5076000"/>
             <a:ext cx="729150" cy="729150"/>
           </a:xfrm>
           <a:prstGeom prst="rect">
@@ -7131,7 +7779,7 @@
         </p:nvSpPr>
         <p:spPr>
           <a:xfrm>
-            <a:off x="1095756" y="5076043"/>
+            <a:off x="1095756" y="5249779"/>
             <a:ext cx="4610100" cy="369332"/>
           </a:xfrm>
           <a:prstGeom prst="rect">
@@ -7408,6 +8056,42 @@
               <a:t>Often solving optimization problems to maintain accuracy.</a:t>
             </a:r>
             <a:endParaRPr lang="it-CH" dirty="0"/>
+          </a:p>
+        </p:txBody>
+      </p:sp>
+      <p:sp>
+        <p:nvSpPr>
+          <p:cNvPr id="5" name="TextBox 4">
+            <a:extLst>
+              <a:ext uri="{FF2B5EF4-FFF2-40B4-BE49-F238E27FC236}">
+                <a16:creationId xmlns:a16="http://schemas.microsoft.com/office/drawing/2014/main" id="{88C56CD1-2221-2F54-4BF6-FC3987A4CC11}"/>
+              </a:ext>
+            </a:extLst>
+          </p:cNvPr>
+          <p:cNvSpPr txBox="1"/>
+          <p:nvPr/>
+        </p:nvSpPr>
+        <p:spPr>
+          <a:xfrm>
+            <a:off x="397267" y="244736"/>
+            <a:ext cx="7161089" cy="400110"/>
+          </a:xfrm>
+          <a:prstGeom prst="rect">
+            <a:avLst/>
+          </a:prstGeom>
+          <a:noFill/>
+        </p:spPr>
+        <p:txBody>
+          <a:bodyPr wrap="square" rtlCol="0" anchor="t">
+            <a:spAutoFit/>
+          </a:bodyPr>
+          <a:lstStyle/>
+          <a:p>
+            <a:r>
+              <a:rPr lang="it-CH" sz="2000" b="1" dirty="0"/>
+              <a:t>Plan for Deployment</a:t>
+            </a:r>
+            <a:endParaRPr lang="it-CH" sz="2000" dirty="0"/>
           </a:p>
         </p:txBody>
       </p:sp>
@@ -7730,6 +8414,56 @@
               <a:t>Tuning parameters are tailored to every specific patient.</a:t>
             </a:r>
             <a:endParaRPr lang="it-CH" dirty="0"/>
+          </a:p>
+        </p:txBody>
+      </p:sp>
+      <p:sp>
+        <p:nvSpPr>
+          <p:cNvPr id="3" name="TextBox 2">
+            <a:extLst>
+              <a:ext uri="{FF2B5EF4-FFF2-40B4-BE49-F238E27FC236}">
+                <a16:creationId xmlns:a16="http://schemas.microsoft.com/office/drawing/2014/main" id="{17110C48-6497-7E80-EEC9-B66021F23243}"/>
+              </a:ext>
+            </a:extLst>
+          </p:cNvPr>
+          <p:cNvSpPr txBox="1"/>
+          <p:nvPr/>
+        </p:nvSpPr>
+        <p:spPr>
+          <a:xfrm>
+            <a:off x="397267" y="244736"/>
+            <a:ext cx="7161089" cy="400110"/>
+          </a:xfrm>
+          <a:prstGeom prst="rect">
+            <a:avLst/>
+          </a:prstGeom>
+          <a:solidFill>
+            <a:schemeClr val="bg1"/>
+          </a:solidFill>
+        </p:spPr>
+        <p:txBody>
+          <a:bodyPr wrap="square" rtlCol="0" anchor="t">
+            <a:spAutoFit/>
+          </a:bodyPr>
+          <a:lstStyle/>
+          <a:p>
+            <a:r>
+              <a:rPr lang="it-CH" sz="2000" b="1" dirty="0" err="1"/>
+              <a:t>Regularized</a:t>
+            </a:r>
+            <a:r>
+              <a:rPr lang="it-CH" sz="2000" b="1" dirty="0"/>
+              <a:t> Tracking </a:t>
+            </a:r>
+            <a:r>
+              <a:rPr lang="it-CH" sz="2000" b="1" dirty="0" err="1"/>
+              <a:t>DeePC</a:t>
+            </a:r>
+            <a:r>
+              <a:rPr lang="it-CH" sz="2000" b="1" dirty="0"/>
+              <a:t> – Bonus</a:t>
+            </a:r>
+            <a:endParaRPr lang="it-CH" sz="2000" dirty="0"/>
           </a:p>
         </p:txBody>
       </p:sp>

--- a/COCO2024project_GiacomoMastroddi.pptx
+++ b/COCO2024project_GiacomoMastroddi.pptx
@@ -5804,11 +5804,11 @@
             </a:pPr>
             <a:r>
               <a:rPr lang="en-US" b="1" dirty="0"/>
-              <a:t>Injection capacity: </a:t>
+              <a:t>Saturation: </a:t>
             </a:r>
             <a:r>
               <a:rPr lang="en-US" dirty="0"/>
-              <a:t>The maximum injection capability of the insulin pump is not met, leading to insufficient insulin delivery in real life.</a:t>
+              <a:t>The maximum injection capability of the insulin pump is not met, saturating it and leading to insufficient insulin delivery in real life.</a:t>
             </a:r>
             <a:endParaRPr lang="it-CH" dirty="0"/>
           </a:p>
@@ -5846,10 +5846,10 @@
       </p:pic>
       <p:sp>
         <p:nvSpPr>
-          <p:cNvPr id="4" name="Oval 3">
-            <a:extLst>
-              <a:ext uri="{FF2B5EF4-FFF2-40B4-BE49-F238E27FC236}">
-                <a16:creationId xmlns:a16="http://schemas.microsoft.com/office/drawing/2014/main" id="{2078961B-628D-3123-A933-FB21FC64ECC0}"/>
+          <p:cNvPr id="8" name="Oval 7">
+            <a:extLst>
+              <a:ext uri="{FF2B5EF4-FFF2-40B4-BE49-F238E27FC236}">
+                <a16:creationId xmlns:a16="http://schemas.microsoft.com/office/drawing/2014/main" id="{A90925EC-8DF0-60EA-7E67-59404CAE09DD}"/>
               </a:ext>
             </a:extLst>
           </p:cNvPr>
@@ -5858,8 +5858,8 @@
         </p:nvSpPr>
         <p:spPr>
           <a:xfrm>
-            <a:off x="2102412" y="3285214"/>
-            <a:ext cx="540000" cy="829585"/>
+            <a:off x="2798385" y="2822677"/>
+            <a:ext cx="2267712" cy="501631"/>
           </a:xfrm>
           <a:prstGeom prst="ellipse">
             <a:avLst/>
@@ -5893,24 +5893,122 @@
           <a:bodyPr rtlCol="0" anchor="ctr"/>
           <a:lstStyle/>
           <a:p>
-            <a:pPr algn="ctr"/>
             <a:r>
               <a:rPr lang="it-CH" b="1" dirty="0">
                 <a:solidFill>
                   <a:sysClr val="windowText" lastClr="000000"/>
                 </a:solidFill>
               </a:rPr>
-              <a:t>4.</a:t>
-            </a:r>
-          </a:p>
-        </p:txBody>
-      </p:sp>
-      <p:sp>
-        <p:nvSpPr>
-          <p:cNvPr id="8" name="Oval 7">
-            <a:extLst>
-              <a:ext uri="{FF2B5EF4-FFF2-40B4-BE49-F238E27FC236}">
-                <a16:creationId xmlns:a16="http://schemas.microsoft.com/office/drawing/2014/main" id="{A90925EC-8DF0-60EA-7E67-59404CAE09DD}"/>
+              <a:t>2. 3.</a:t>
+            </a:r>
+          </a:p>
+        </p:txBody>
+      </p:sp>
+      <p:pic>
+        <p:nvPicPr>
+          <p:cNvPr id="13" name="Picture 12">
+            <a:extLst>
+              <a:ext uri="{FF2B5EF4-FFF2-40B4-BE49-F238E27FC236}">
+                <a16:creationId xmlns:a16="http://schemas.microsoft.com/office/drawing/2014/main" id="{E3BDBE3F-1C4C-8F11-4BA5-337F88A49C05}"/>
+              </a:ext>
+            </a:extLst>
+          </p:cNvPr>
+          <p:cNvPicPr>
+            <a:picLocks noChangeAspect="1"/>
+          </p:cNvPicPr>
+          <p:nvPr/>
+        </p:nvPicPr>
+        <p:blipFill>
+          <a:blip r:embed="rId7"/>
+          <a:stretch>
+            <a:fillRect/>
+          </a:stretch>
+        </p:blipFill>
+        <p:spPr>
+          <a:xfrm>
+            <a:off x="6437413" y="5085304"/>
+            <a:ext cx="671710" cy="671710"/>
+          </a:xfrm>
+          <a:prstGeom prst="rect">
+            <a:avLst/>
+          </a:prstGeom>
+        </p:spPr>
+      </p:pic>
+      <p:sp>
+        <p:nvSpPr>
+          <p:cNvPr id="2" name="TextBox 1">
+            <a:extLst>
+              <a:ext uri="{FF2B5EF4-FFF2-40B4-BE49-F238E27FC236}">
+                <a16:creationId xmlns:a16="http://schemas.microsoft.com/office/drawing/2014/main" id="{73AED3EB-687D-2046-4FD8-5FE74798476F}"/>
+              </a:ext>
+            </a:extLst>
+          </p:cNvPr>
+          <p:cNvSpPr txBox="1"/>
+          <p:nvPr/>
+        </p:nvSpPr>
+        <p:spPr>
+          <a:xfrm>
+            <a:off x="359662" y="4899957"/>
+            <a:ext cx="5328563" cy="1477328"/>
+          </a:xfrm>
+          <a:prstGeom prst="rect">
+            <a:avLst/>
+          </a:prstGeom>
+          <a:noFill/>
+        </p:spPr>
+        <p:txBody>
+          <a:bodyPr wrap="square" rtlCol="0" anchor="t">
+            <a:spAutoFit/>
+          </a:bodyPr>
+          <a:lstStyle/>
+          <a:p>
+            <a:r>
+              <a:rPr lang="it-CH" b="1" dirty="0" err="1"/>
+              <a:t>Conclusion</a:t>
+            </a:r>
+            <a:endParaRPr lang="it-CH" dirty="0"/>
+          </a:p>
+          <a:p>
+            <a:pPr marL="285750" indent="-285750">
+              <a:buFont typeface="Arial" panose="020B0604020202020204" pitchFamily="34" charset="0"/>
+              <a:buChar char="•"/>
+            </a:pPr>
+            <a:r>
+              <a:rPr lang="en-US" dirty="0"/>
+              <a:t>Prolonged violation of glucose limits can lead to hospitalization or even death of the patient.</a:t>
+            </a:r>
+          </a:p>
+          <a:p>
+            <a:pPr marL="285750" indent="-285750">
+              <a:buFont typeface="Arial" panose="020B0604020202020204" pitchFamily="34" charset="0"/>
+              <a:buChar char="•"/>
+            </a:pPr>
+            <a:r>
+              <a:rPr lang="it-CH" dirty="0"/>
+              <a:t>A controller with </a:t>
+            </a:r>
+            <a:r>
+              <a:rPr lang="it-CH" dirty="0" err="1"/>
+              <a:t>predictive</a:t>
+            </a:r>
+            <a:r>
+              <a:rPr lang="it-CH" dirty="0"/>
+              <a:t> capabilities and </a:t>
+            </a:r>
+            <a:r>
+              <a:rPr lang="en-US" dirty="0"/>
+              <a:t>the ability to satisfy constraints is essential.</a:t>
+            </a:r>
+            <a:endParaRPr lang="it-CH" dirty="0"/>
+          </a:p>
+        </p:txBody>
+      </p:sp>
+      <p:sp>
+        <p:nvSpPr>
+          <p:cNvPr id="14" name="Oval 13">
+            <a:extLst>
+              <a:ext uri="{FF2B5EF4-FFF2-40B4-BE49-F238E27FC236}">
+                <a16:creationId xmlns:a16="http://schemas.microsoft.com/office/drawing/2014/main" id="{8B6ADCC1-E2C0-2664-FE84-591ABF9E01DE}"/>
               </a:ext>
             </a:extLst>
           </p:cNvPr>
@@ -5919,8 +6017,8 @@
         </p:nvSpPr>
         <p:spPr>
           <a:xfrm>
-            <a:off x="2798385" y="2822677"/>
-            <a:ext cx="2267712" cy="501631"/>
+            <a:off x="1730599" y="4100080"/>
+            <a:ext cx="641813" cy="705307"/>
           </a:xfrm>
           <a:prstGeom prst="ellipse">
             <a:avLst/>
@@ -5954,68 +6052,41 @@
           <a:bodyPr rtlCol="0" anchor="ctr"/>
           <a:lstStyle/>
           <a:p>
+            <a:pPr algn="ctr"/>
             <a:r>
               <a:rPr lang="it-CH" b="1" dirty="0">
                 <a:solidFill>
                   <a:sysClr val="windowText" lastClr="000000"/>
                 </a:solidFill>
               </a:rPr>
-              <a:t>2. 3.</a:t>
-            </a:r>
-          </a:p>
-        </p:txBody>
-      </p:sp>
-      <p:pic>
-        <p:nvPicPr>
-          <p:cNvPr id="13" name="Picture 12">
-            <a:extLst>
-              <a:ext uri="{FF2B5EF4-FFF2-40B4-BE49-F238E27FC236}">
-                <a16:creationId xmlns:a16="http://schemas.microsoft.com/office/drawing/2014/main" id="{E3BDBE3F-1C4C-8F11-4BA5-337F88A49C05}"/>
-              </a:ext>
-            </a:extLst>
-          </p:cNvPr>
-          <p:cNvPicPr>
-            <a:picLocks noChangeAspect="1"/>
-          </p:cNvPicPr>
+              <a:t>1.</a:t>
+            </a:r>
+          </a:p>
+        </p:txBody>
+      </p:sp>
+      <p:sp>
+        <p:nvSpPr>
+          <p:cNvPr id="12" name="TextBox 11">
+            <a:extLst>
+              <a:ext uri="{FF2B5EF4-FFF2-40B4-BE49-F238E27FC236}">
+                <a16:creationId xmlns:a16="http://schemas.microsoft.com/office/drawing/2014/main" id="{5645D192-1116-5207-1588-C6DABDE5D064}"/>
+              </a:ext>
+            </a:extLst>
+          </p:cNvPr>
+          <p:cNvSpPr txBox="1"/>
           <p:nvPr/>
-        </p:nvPicPr>
-        <p:blipFill>
-          <a:blip r:embed="rId7"/>
-          <a:stretch>
-            <a:fillRect/>
-          </a:stretch>
-        </p:blipFill>
-        <p:spPr>
-          <a:xfrm>
-            <a:off x="6437413" y="5085304"/>
-            <a:ext cx="671710" cy="671710"/>
+        </p:nvSpPr>
+        <p:spPr>
+          <a:xfrm>
+            <a:off x="397267" y="244736"/>
+            <a:ext cx="7161089" cy="400110"/>
           </a:xfrm>
           <a:prstGeom prst="rect">
             <a:avLst/>
           </a:prstGeom>
-        </p:spPr>
-      </p:pic>
-      <p:sp>
-        <p:nvSpPr>
-          <p:cNvPr id="2" name="TextBox 1">
-            <a:extLst>
-              <a:ext uri="{FF2B5EF4-FFF2-40B4-BE49-F238E27FC236}">
-                <a16:creationId xmlns:a16="http://schemas.microsoft.com/office/drawing/2014/main" id="{73AED3EB-687D-2046-4FD8-5FE74798476F}"/>
-              </a:ext>
-            </a:extLst>
-          </p:cNvPr>
-          <p:cNvSpPr txBox="1"/>
-          <p:nvPr/>
-        </p:nvSpPr>
-        <p:spPr>
-          <a:xfrm>
-            <a:off x="359662" y="4899957"/>
-            <a:ext cx="5328563" cy="1477328"/>
-          </a:xfrm>
-          <a:prstGeom prst="rect">
-            <a:avLst/>
-          </a:prstGeom>
-          <a:noFill/>
+          <a:solidFill>
+            <a:schemeClr val="bg1"/>
+          </a:solidFill>
         </p:spPr>
         <p:txBody>
           <a:bodyPr wrap="square" rtlCol="0" anchor="t">
@@ -6024,52 +6095,27 @@
           <a:lstStyle/>
           <a:p>
             <a:r>
-              <a:rPr lang="it-CH" b="1" dirty="0" err="1"/>
-              <a:t>Conclusion</a:t>
-            </a:r>
-            <a:endParaRPr lang="it-CH" dirty="0"/>
-          </a:p>
-          <a:p>
-            <a:pPr marL="285750" indent="-285750">
-              <a:buFont typeface="Arial" panose="020B0604020202020204" pitchFamily="34" charset="0"/>
-              <a:buChar char="•"/>
-            </a:pPr>
-            <a:r>
-              <a:rPr lang="en-US" dirty="0"/>
-              <a:t>Prolonged violation of glucose limits can lead to hospitalization or even death of the patient.</a:t>
-            </a:r>
-          </a:p>
-          <a:p>
-            <a:pPr marL="285750" indent="-285750">
-              <a:buFont typeface="Arial" panose="020B0604020202020204" pitchFamily="34" charset="0"/>
-              <a:buChar char="•"/>
-            </a:pPr>
-            <a:r>
-              <a:rPr lang="it-CH" dirty="0"/>
-              <a:t>A controller with </a:t>
-            </a:r>
-            <a:r>
-              <a:rPr lang="it-CH" dirty="0" err="1"/>
-              <a:t>predictive</a:t>
-            </a:r>
-            <a:r>
-              <a:rPr lang="it-CH" dirty="0"/>
-              <a:t> capabilities and </a:t>
-            </a:r>
-            <a:r>
-              <a:rPr lang="en-US" dirty="0"/>
-              <a:t>the ability to satisfy constraints is essential.</a:t>
-            </a:r>
-            <a:endParaRPr lang="it-CH" dirty="0"/>
-          </a:p>
-        </p:txBody>
-      </p:sp>
-      <p:sp>
-        <p:nvSpPr>
-          <p:cNvPr id="14" name="Oval 13">
-            <a:extLst>
-              <a:ext uri="{FF2B5EF4-FFF2-40B4-BE49-F238E27FC236}">
-                <a16:creationId xmlns:a16="http://schemas.microsoft.com/office/drawing/2014/main" id="{8B6ADCC1-E2C0-2664-FE84-591ABF9E01DE}"/>
+              <a:rPr lang="it-CH" sz="2000" b="1" dirty="0" err="1"/>
+              <a:t>Failure</a:t>
+            </a:r>
+            <a:r>
+              <a:rPr lang="it-CH" sz="2000" b="1" dirty="0"/>
+              <a:t> Mode </a:t>
+            </a:r>
+            <a:r>
+              <a:rPr lang="it-CH" sz="2000" b="1"/>
+              <a:t>– PID</a:t>
+            </a:r>
+            <a:endParaRPr lang="it-CH" sz="2000" dirty="0"/>
+          </a:p>
+        </p:txBody>
+      </p:sp>
+      <p:sp>
+        <p:nvSpPr>
+          <p:cNvPr id="10" name="Oval 9">
+            <a:extLst>
+              <a:ext uri="{FF2B5EF4-FFF2-40B4-BE49-F238E27FC236}">
+                <a16:creationId xmlns:a16="http://schemas.microsoft.com/office/drawing/2014/main" id="{E79B09DE-4AF0-BB05-1DBB-F6D8C0F69DD8}"/>
               </a:ext>
             </a:extLst>
           </p:cNvPr>
@@ -6078,8 +6124,8 @@
         </p:nvSpPr>
         <p:spPr>
           <a:xfrm>
-            <a:off x="1730599" y="4100080"/>
-            <a:ext cx="641813" cy="705307"/>
+            <a:off x="1910778" y="667973"/>
+            <a:ext cx="1113165" cy="540001"/>
           </a:xfrm>
           <a:prstGeom prst="ellipse">
             <a:avLst/>
@@ -6120,84 +6166,85 @@
                   <a:sysClr val="windowText" lastClr="000000"/>
                 </a:solidFill>
               </a:rPr>
-              <a:t>1.</a:t>
-            </a:r>
-          </a:p>
-        </p:txBody>
-      </p:sp>
-      <p:sp>
-        <p:nvSpPr>
-          <p:cNvPr id="12" name="TextBox 11">
-            <a:extLst>
-              <a:ext uri="{FF2B5EF4-FFF2-40B4-BE49-F238E27FC236}">
-                <a16:creationId xmlns:a16="http://schemas.microsoft.com/office/drawing/2014/main" id="{5645D192-1116-5207-1588-C6DABDE5D064}"/>
-              </a:ext>
-            </a:extLst>
-          </p:cNvPr>
-          <p:cNvSpPr txBox="1"/>
+              <a:t>2. 3.</a:t>
+            </a:r>
+          </a:p>
+        </p:txBody>
+      </p:sp>
+      <p:sp>
+        <p:nvSpPr>
+          <p:cNvPr id="15" name="Right Brace 14">
+            <a:extLst>
+              <a:ext uri="{FF2B5EF4-FFF2-40B4-BE49-F238E27FC236}">
+                <a16:creationId xmlns:a16="http://schemas.microsoft.com/office/drawing/2014/main" id="{FEB8BB48-AEAB-B929-9E37-F2E0BF00BBEA}"/>
+              </a:ext>
+            </a:extLst>
+          </p:cNvPr>
+          <p:cNvSpPr/>
           <p:nvPr/>
         </p:nvSpPr>
         <p:spPr>
           <a:xfrm>
-            <a:off x="397267" y="244736"/>
-            <a:ext cx="7161089" cy="400110"/>
-          </a:xfrm>
-          <a:prstGeom prst="rect">
+            <a:off x="2602885" y="3399904"/>
+            <a:ext cx="172635" cy="259928"/>
+          </a:xfrm>
+          <a:prstGeom prst="rightBrace">
             <a:avLst/>
           </a:prstGeom>
-          <a:solidFill>
-            <a:schemeClr val="bg1"/>
-          </a:solidFill>
-        </p:spPr>
-        <p:txBody>
-          <a:bodyPr wrap="square" rtlCol="0" anchor="t">
-            <a:spAutoFit/>
-          </a:bodyPr>
-          <a:lstStyle/>
-          <a:p>
-            <a:r>
-              <a:rPr lang="it-CH" sz="2000" b="1" dirty="0" err="1"/>
-              <a:t>Failure</a:t>
-            </a:r>
-            <a:r>
-              <a:rPr lang="it-CH" sz="2000" b="1" dirty="0"/>
-              <a:t> Mode </a:t>
-            </a:r>
-            <a:r>
-              <a:rPr lang="it-CH" sz="2000" b="1"/>
-              <a:t>– PID</a:t>
-            </a:r>
-            <a:endParaRPr lang="it-CH" sz="2000" dirty="0"/>
-          </a:p>
-        </p:txBody>
-      </p:sp>
-      <p:sp>
-        <p:nvSpPr>
-          <p:cNvPr id="10" name="Oval 9">
-            <a:extLst>
-              <a:ext uri="{FF2B5EF4-FFF2-40B4-BE49-F238E27FC236}">
-                <a16:creationId xmlns:a16="http://schemas.microsoft.com/office/drawing/2014/main" id="{E79B09DE-4AF0-BB05-1DBB-F6D8C0F69DD8}"/>
-              </a:ext>
-            </a:extLst>
-          </p:cNvPr>
-          <p:cNvSpPr/>
-          <p:nvPr/>
-        </p:nvSpPr>
-        <p:spPr>
-          <a:xfrm>
-            <a:off x="1910778" y="667973"/>
-            <a:ext cx="1113165" cy="540001"/>
-          </a:xfrm>
-          <a:prstGeom prst="ellipse">
-            <a:avLst/>
-          </a:prstGeom>
-          <a:noFill/>
           <a:ln w="38100">
             <a:solidFill>
               <a:schemeClr val="bg2">
                 <a:lumMod val="50000"/>
               </a:schemeClr>
             </a:solidFill>
+          </a:ln>
+        </p:spPr>
+        <p:style>
+          <a:lnRef idx="2">
+            <a:schemeClr val="accent1"/>
+          </a:lnRef>
+          <a:fillRef idx="0">
+            <a:schemeClr val="accent1"/>
+          </a:fillRef>
+          <a:effectRef idx="1">
+            <a:schemeClr val="accent1"/>
+          </a:effectRef>
+          <a:fontRef idx="minor">
+            <a:schemeClr val="tx1"/>
+          </a:fontRef>
+        </p:style>
+        <p:txBody>
+          <a:bodyPr rtlCol="0" anchor="ctr"/>
+          <a:lstStyle/>
+          <a:p>
+            <a:pPr algn="ctr"/>
+            <a:endParaRPr lang="it-CH" dirty="0"/>
+          </a:p>
+        </p:txBody>
+      </p:sp>
+      <p:sp>
+        <p:nvSpPr>
+          <p:cNvPr id="16" name="Oval 15">
+            <a:extLst>
+              <a:ext uri="{FF2B5EF4-FFF2-40B4-BE49-F238E27FC236}">
+                <a16:creationId xmlns:a16="http://schemas.microsoft.com/office/drawing/2014/main" id="{090F348A-C232-5F80-A29B-27E63952CA50}"/>
+              </a:ext>
+            </a:extLst>
+          </p:cNvPr>
+          <p:cNvSpPr/>
+          <p:nvPr/>
+        </p:nvSpPr>
+        <p:spPr>
+          <a:xfrm>
+            <a:off x="2613524" y="3254760"/>
+            <a:ext cx="612989" cy="539999"/>
+          </a:xfrm>
+          <a:prstGeom prst="ellipse">
+            <a:avLst/>
+          </a:prstGeom>
+          <a:noFill/>
+          <a:ln w="38100">
+            <a:noFill/>
           </a:ln>
         </p:spPr>
         <p:style>
@@ -6227,7 +6274,7 @@
                   <a:sysClr val="windowText" lastClr="000000"/>
                 </a:solidFill>
               </a:rPr>
-              <a:t>2. 3.</a:t>
+              <a:t>4.</a:t>
             </a:r>
           </a:p>
         </p:txBody>
@@ -6573,7 +6620,7 @@
             </a:r>
             <a:r>
               <a:rPr lang="it-CH" b="1" dirty="0"/>
-              <a:t> and </a:t>
+              <a:t>, human-in-the-loop and </a:t>
             </a:r>
             <a:r>
               <a:rPr lang="it-CH" b="1" dirty="0" err="1"/>
@@ -7831,8 +7878,8 @@
         </p:nvSpPr>
         <p:spPr>
           <a:xfrm>
-            <a:off x="6096000" y="384346"/>
-            <a:ext cx="5729394" cy="6463308"/>
+            <a:off x="6096000" y="742966"/>
+            <a:ext cx="5729394" cy="5909310"/>
           </a:xfrm>
           <a:prstGeom prst="rect">
             <a:avLst/>
@@ -7952,20 +7999,7 @@
               </a:rPr>
               <a:t> also high-quality and sufficient data.</a:t>
             </a:r>
-          </a:p>
-          <a:p>
-            <a:pPr marL="285750" indent="-285750">
-              <a:buFont typeface="Arial" panose="020B0604020202020204" pitchFamily="34" charset="0"/>
-              <a:buChar char="•"/>
-            </a:pPr>
-            <a:r>
-              <a:rPr lang="en-US" b="1" dirty="0"/>
-              <a:t>Low power consumption: </a:t>
-            </a:r>
-            <a:r>
-              <a:rPr lang="en-US" dirty="0"/>
-              <a:t>The optimization calculation must be as efficient as possible.</a:t>
-            </a:r>
+            <a:endParaRPr lang="it-CH" dirty="0"/>
           </a:p>
           <a:p>
             <a:endParaRPr lang="it-CH" dirty="0"/>
